--- a/html_css_site/Grocery-store/Sundress.pptx
+++ b/html_css_site/Grocery-store/Sundress.pptx
@@ -255,7 +255,7 @@
           <a:p>
             <a:fld id="{FFFD259C-A670-40B8-9434-E093608FCF70}" type="datetimeFigureOut">
               <a:rPr lang="ru-RU" smtClean="0"/>
-              <a:t>14.07.2022</a:t>
+              <a:t>15.07.2022</a:t>
             </a:fld>
             <a:endParaRPr lang="ru-RU"/>
           </a:p>
@@ -737,7 +737,7 @@
           <a:p>
             <a:fld id="{2349E53D-EFD1-463E-9526-AF45EF75052C}" type="datetimeFigureOut">
               <a:rPr lang="ru-RU" smtClean="0"/>
-              <a:t>14.07.2022</a:t>
+              <a:t>15.07.2022</a:t>
             </a:fld>
             <a:endParaRPr lang="ru-RU"/>
           </a:p>
@@ -907,7 +907,7 @@
           <a:p>
             <a:fld id="{2349E53D-EFD1-463E-9526-AF45EF75052C}" type="datetimeFigureOut">
               <a:rPr lang="ru-RU" smtClean="0"/>
-              <a:t>14.07.2022</a:t>
+              <a:t>15.07.2022</a:t>
             </a:fld>
             <a:endParaRPr lang="ru-RU"/>
           </a:p>
@@ -1087,7 +1087,7 @@
           <a:p>
             <a:fld id="{2349E53D-EFD1-463E-9526-AF45EF75052C}" type="datetimeFigureOut">
               <a:rPr lang="ru-RU" smtClean="0"/>
-              <a:t>14.07.2022</a:t>
+              <a:t>15.07.2022</a:t>
             </a:fld>
             <a:endParaRPr lang="ru-RU"/>
           </a:p>
@@ -1257,7 +1257,7 @@
           <a:p>
             <a:fld id="{2349E53D-EFD1-463E-9526-AF45EF75052C}" type="datetimeFigureOut">
               <a:rPr lang="ru-RU" smtClean="0"/>
-              <a:t>14.07.2022</a:t>
+              <a:t>15.07.2022</a:t>
             </a:fld>
             <a:endParaRPr lang="ru-RU"/>
           </a:p>
@@ -1503,7 +1503,7 @@
           <a:p>
             <a:fld id="{2349E53D-EFD1-463E-9526-AF45EF75052C}" type="datetimeFigureOut">
               <a:rPr lang="ru-RU" smtClean="0"/>
-              <a:t>14.07.2022</a:t>
+              <a:t>15.07.2022</a:t>
             </a:fld>
             <a:endParaRPr lang="ru-RU"/>
           </a:p>
@@ -1735,7 +1735,7 @@
           <a:p>
             <a:fld id="{2349E53D-EFD1-463E-9526-AF45EF75052C}" type="datetimeFigureOut">
               <a:rPr lang="ru-RU" smtClean="0"/>
-              <a:t>14.07.2022</a:t>
+              <a:t>15.07.2022</a:t>
             </a:fld>
             <a:endParaRPr lang="ru-RU"/>
           </a:p>
@@ -2102,7 +2102,7 @@
           <a:p>
             <a:fld id="{2349E53D-EFD1-463E-9526-AF45EF75052C}" type="datetimeFigureOut">
               <a:rPr lang="ru-RU" smtClean="0"/>
-              <a:t>14.07.2022</a:t>
+              <a:t>15.07.2022</a:t>
             </a:fld>
             <a:endParaRPr lang="ru-RU"/>
           </a:p>
@@ -2220,7 +2220,7 @@
           <a:p>
             <a:fld id="{2349E53D-EFD1-463E-9526-AF45EF75052C}" type="datetimeFigureOut">
               <a:rPr lang="ru-RU" smtClean="0"/>
-              <a:t>14.07.2022</a:t>
+              <a:t>15.07.2022</a:t>
             </a:fld>
             <a:endParaRPr lang="ru-RU"/>
           </a:p>
@@ -2315,7 +2315,7 @@
           <a:p>
             <a:fld id="{2349E53D-EFD1-463E-9526-AF45EF75052C}" type="datetimeFigureOut">
               <a:rPr lang="ru-RU" smtClean="0"/>
-              <a:t>14.07.2022</a:t>
+              <a:t>15.07.2022</a:t>
             </a:fld>
             <a:endParaRPr lang="ru-RU"/>
           </a:p>
@@ -2592,7 +2592,7 @@
           <a:p>
             <a:fld id="{2349E53D-EFD1-463E-9526-AF45EF75052C}" type="datetimeFigureOut">
               <a:rPr lang="ru-RU" smtClean="0"/>
-              <a:t>14.07.2022</a:t>
+              <a:t>15.07.2022</a:t>
             </a:fld>
             <a:endParaRPr lang="ru-RU"/>
           </a:p>
@@ -2849,7 +2849,7 @@
           <a:p>
             <a:fld id="{2349E53D-EFD1-463E-9526-AF45EF75052C}" type="datetimeFigureOut">
               <a:rPr lang="ru-RU" smtClean="0"/>
-              <a:t>14.07.2022</a:t>
+              <a:t>15.07.2022</a:t>
             </a:fld>
             <a:endParaRPr lang="ru-RU"/>
           </a:p>
@@ -3062,7 +3062,7 @@
           <a:p>
             <a:fld id="{2349E53D-EFD1-463E-9526-AF45EF75052C}" type="datetimeFigureOut">
               <a:rPr lang="ru-RU" smtClean="0"/>
-              <a:t>14.07.2022</a:t>
+              <a:t>15.07.2022</a:t>
             </a:fld>
             <a:endParaRPr lang="ru-RU"/>
           </a:p>
@@ -4002,31 +4002,7 @@
                 <a:latin typeface="Segoe UI Semilight" panose="020B0402040204020203" pitchFamily="34" charset="0"/>
                 <a:cs typeface="Segoe UI Semilight" panose="020B0402040204020203" pitchFamily="34" charset="0"/>
               </a:rPr>
-              <a:t>Сферы </a:t>
-            </a:r>
-            <a:r>
-              <a:rPr lang="ru-RU" dirty="0" err="1">
-                <a:solidFill>
-                  <a:schemeClr val="accent2">
-                    <a:lumMod val="50000"/>
-                  </a:schemeClr>
-                </a:solidFill>
-                <a:latin typeface="Segoe UI Semilight" panose="020B0402040204020203" pitchFamily="34" charset="0"/>
-                <a:cs typeface="Segoe UI Semilight" panose="020B0402040204020203" pitchFamily="34" charset="0"/>
-              </a:rPr>
-              <a:t>ответсвенности</a:t>
-            </a:r>
-            <a:r>
-              <a:rPr lang="ru-RU" dirty="0">
-                <a:solidFill>
-                  <a:schemeClr val="accent2">
-                    <a:lumMod val="50000"/>
-                  </a:schemeClr>
-                </a:solidFill>
-                <a:latin typeface="Segoe UI Semilight" panose="020B0402040204020203" pitchFamily="34" charset="0"/>
-                <a:cs typeface="Segoe UI Semilight" panose="020B0402040204020203" pitchFamily="34" charset="0"/>
-              </a:rPr>
-              <a:t>:</a:t>
+              <a:t>Сферы ответственности:</a:t>
             </a:r>
           </a:p>
           <a:p>
@@ -5072,7 +5048,7 @@
         <p:spPr>
           <a:xfrm>
             <a:off x="682906" y="1749850"/>
-            <a:ext cx="7037408" cy="3261988"/>
+            <a:ext cx="5796552" cy="2871311"/>
           </a:xfrm>
           <a:prstGeom prst="roundRect">
             <a:avLst/>
@@ -5198,7 +5174,7 @@
               <a:buNone/>
             </a:pPr>
             <a:r>
-              <a:rPr lang="ru-RU" sz="2000" dirty="0">
+              <a:rPr lang="ru-RU" sz="1600" dirty="0">
                 <a:solidFill>
                   <a:schemeClr val="accent2">
                     <a:lumMod val="50000"/>
@@ -5213,7 +5189,7 @@
           </a:p>
           <a:p>
             <a:r>
-              <a:rPr lang="ru-RU" sz="2000" dirty="0">
+              <a:rPr lang="ru-RU" sz="1600" dirty="0">
                 <a:solidFill>
                   <a:schemeClr val="accent2">
                     <a:lumMod val="50000"/>
@@ -5228,7 +5204,7 @@
           </a:p>
           <a:p>
             <a:r>
-              <a:rPr lang="ru-RU" sz="2000" dirty="0">
+              <a:rPr lang="ru-RU" sz="1600" dirty="0">
                 <a:solidFill>
                   <a:schemeClr val="accent2">
                     <a:lumMod val="50000"/>
@@ -5241,7 +5217,7 @@
               <a:t>Хранение паролей с технологией </a:t>
             </a:r>
             <a:r>
-              <a:rPr lang="en-US" sz="2000" dirty="0">
+              <a:rPr lang="en-US" sz="1600" dirty="0">
                 <a:solidFill>
                   <a:schemeClr val="accent2">
                     <a:lumMod val="50000"/>
@@ -5253,7 +5229,7 @@
               </a:rPr>
               <a:t>pepper</a:t>
             </a:r>
-            <a:endParaRPr lang="ru-RU" sz="2000" dirty="0">
+            <a:endParaRPr lang="ru-RU" sz="1600" dirty="0">
               <a:solidFill>
                 <a:schemeClr val="accent2">
                   <a:lumMod val="50000"/>
@@ -5266,7 +5242,7 @@
           </a:p>
           <a:p>
             <a:r>
-              <a:rPr lang="ru-RU" sz="2000" dirty="0">
+              <a:rPr lang="ru-RU" sz="1600" dirty="0">
                 <a:solidFill>
                   <a:schemeClr val="accent2">
                     <a:lumMod val="50000"/>
@@ -5279,7 +5255,7 @@
               <a:t>Еженедельное обновление </a:t>
             </a:r>
             <a:r>
-              <a:rPr lang="en-US" sz="2000" dirty="0">
+              <a:rPr lang="en-US" sz="1600" dirty="0">
                 <a:solidFill>
                   <a:schemeClr val="accent2">
                     <a:lumMod val="50000"/>
@@ -5291,7 +5267,7 @@
               </a:rPr>
               <a:t>Cookies</a:t>
             </a:r>
-            <a:endParaRPr lang="ru-RU" sz="2000" dirty="0">
+            <a:endParaRPr lang="ru-RU" sz="1600" dirty="0">
               <a:solidFill>
                 <a:schemeClr val="accent2">
                   <a:lumMod val="50000"/>
@@ -5307,7 +5283,7 @@
               <a:buNone/>
             </a:pPr>
             <a:r>
-              <a:rPr lang="ru-RU" sz="2000" dirty="0">
+              <a:rPr lang="ru-RU" sz="1600" dirty="0">
                 <a:solidFill>
                   <a:schemeClr val="accent2">
                     <a:lumMod val="50000"/>
@@ -5325,7 +5301,7 @@
               <a:buNone/>
             </a:pPr>
             <a:r>
-              <a:rPr lang="ru-RU" sz="2000" dirty="0">
+              <a:rPr lang="ru-RU" sz="1600" dirty="0">
                 <a:solidFill>
                   <a:schemeClr val="accent2">
                     <a:lumMod val="50000"/>
@@ -5343,7 +5319,7 @@
               <a:buNone/>
             </a:pPr>
             <a:r>
-              <a:rPr lang="ru-RU" sz="2000" dirty="0">
+              <a:rPr lang="ru-RU" sz="1600" dirty="0">
                 <a:solidFill>
                   <a:schemeClr val="accent2">
                     <a:lumMod val="50000"/>
@@ -5356,7 +5332,7 @@
               <a:t>Выбор подходящего размера вознаграждения </a:t>
             </a:r>
             <a:r>
-              <a:rPr lang="ru-RU" sz="2000" dirty="0" err="1">
+              <a:rPr lang="ru-RU" sz="1600" dirty="0" err="1">
                 <a:solidFill>
                   <a:schemeClr val="accent2">
                     <a:lumMod val="50000"/>
@@ -5656,6 +5632,60 @@
           </a:p>
         </p:txBody>
       </p:sp>
+      <p:pic>
+        <p:nvPicPr>
+          <p:cNvPr id="13" name="Рисунок 12">
+            <a:extLst>
+              <a:ext uri="{FF2B5EF4-FFF2-40B4-BE49-F238E27FC236}">
+                <a16:creationId xmlns:a16="http://schemas.microsoft.com/office/drawing/2014/main" id="{2B688767-8D1C-4963-AE97-0AC99F0C34A9}"/>
+              </a:ext>
+            </a:extLst>
+          </p:cNvPr>
+          <p:cNvPicPr>
+            <a:picLocks noChangeAspect="1"/>
+          </p:cNvPicPr>
+          <p:nvPr/>
+        </p:nvPicPr>
+        <p:blipFill>
+          <a:blip r:embed="rId3"/>
+          <a:stretch>
+            <a:fillRect/>
+          </a:stretch>
+        </p:blipFill>
+        <p:spPr>
+          <a:xfrm>
+            <a:off x="6783545" y="1562574"/>
+            <a:ext cx="4177674" cy="4997797"/>
+          </a:xfrm>
+          <a:prstGeom prst="rect">
+            <a:avLst/>
+          </a:prstGeom>
+          <a:ln w="76200" cap="rnd">
+            <a:solidFill>
+              <a:srgbClr val="FFFFFF"/>
+            </a:solidFill>
+          </a:ln>
+          <a:effectLst>
+            <a:outerShdw blurRad="76200" dist="95250" dir="10500000" sx="97000" sy="23000" kx="900000" algn="br" rotWithShape="0">
+              <a:srgbClr val="000000">
+                <a:alpha val="20000"/>
+              </a:srgbClr>
+            </a:outerShdw>
+          </a:effectLst>
+          <a:scene3d>
+            <a:camera prst="orthographicFront"/>
+            <a:lightRig rig="twoPt" dir="t">
+              <a:rot lat="0" lon="0" rev="7800000"/>
+            </a:lightRig>
+          </a:scene3d>
+          <a:sp3d contourW="6350">
+            <a:bevelT w="50800" h="16510"/>
+            <a:contourClr>
+              <a:srgbClr val="C0C0C0"/>
+            </a:contourClr>
+          </a:sp3d>
+        </p:spPr>
+      </p:pic>
     </p:spTree>
     <p:extLst>
       <p:ext uri="{BB962C8B-B14F-4D97-AF65-F5344CB8AC3E}">
@@ -5699,229 +5729,10 @@
       </p:grpSpPr>
       <p:sp>
         <p:nvSpPr>
-          <p:cNvPr id="2" name="Заголовок 1">
+          <p:cNvPr id="11" name="Овал 10">
             <a:extLst>
               <a:ext uri="{FF2B5EF4-FFF2-40B4-BE49-F238E27FC236}">
-                <a16:creationId xmlns:a16="http://schemas.microsoft.com/office/drawing/2014/main" id="{732792CD-7B54-47B4-BC90-F9300D0622B1}"/>
-              </a:ext>
-            </a:extLst>
-          </p:cNvPr>
-          <p:cNvSpPr>
-            <a:spLocks noGrp="1"/>
-          </p:cNvSpPr>
-          <p:nvPr>
-            <p:ph type="title"/>
-          </p:nvPr>
-        </p:nvSpPr>
-        <p:spPr>
-          <a:xfrm>
-            <a:off x="6096000" y="365125"/>
-            <a:ext cx="5257800" cy="1325563"/>
-          </a:xfrm>
-        </p:spPr>
-        <p:txBody>
-          <a:bodyPr/>
-          <a:lstStyle/>
-          <a:p>
-            <a:r>
-              <a:rPr lang="ru-RU" dirty="0">
-                <a:solidFill>
-                  <a:schemeClr val="accent2">
-                    <a:lumMod val="50000"/>
-                  </a:schemeClr>
-                </a:solidFill>
-                <a:latin typeface="Segoe UI Semibold" panose="020B0702040204020203" pitchFamily="34" charset="0"/>
-                <a:cs typeface="Segoe UI Semibold" panose="020B0702040204020203" pitchFamily="34" charset="0"/>
-              </a:rPr>
-              <a:t>Простой интерфейс</a:t>
-            </a:r>
-          </a:p>
-        </p:txBody>
-      </p:sp>
-      <p:sp>
-        <p:nvSpPr>
-          <p:cNvPr id="3" name="Объект 2">
-            <a:extLst>
-              <a:ext uri="{FF2B5EF4-FFF2-40B4-BE49-F238E27FC236}">
-                <a16:creationId xmlns:a16="http://schemas.microsoft.com/office/drawing/2014/main" id="{1A69C42A-D6AE-44D8-974A-90621CECC4C3}"/>
-              </a:ext>
-            </a:extLst>
-          </p:cNvPr>
-          <p:cNvSpPr>
-            <a:spLocks noGrp="1"/>
-          </p:cNvSpPr>
-          <p:nvPr>
-            <p:ph idx="1"/>
-          </p:nvPr>
-        </p:nvSpPr>
-        <p:spPr/>
-        <p:txBody>
-          <a:bodyPr>
-            <a:normAutofit/>
-          </a:bodyPr>
-          <a:lstStyle/>
-          <a:p>
-            <a:pPr marL="0" indent="0">
-              <a:buNone/>
-            </a:pPr>
-            <a:r>
-              <a:rPr lang="ru-RU" sz="2000" dirty="0">
-                <a:solidFill>
-                  <a:schemeClr val="accent2">
-                    <a:lumMod val="50000"/>
-                  </a:schemeClr>
-                </a:solidFill>
-                <a:latin typeface="Segoe UI Semilight" panose="020B0402040204020203" pitchFamily="34" charset="0"/>
-                <a:cs typeface="Segoe UI Semilight" panose="020B0402040204020203" pitchFamily="34" charset="0"/>
-              </a:rPr>
-              <a:t>Достаточно трех действий </a:t>
-            </a:r>
-          </a:p>
-          <a:p>
-            <a:r>
-              <a:rPr lang="ru-RU" sz="2000" dirty="0">
-                <a:solidFill>
-                  <a:schemeClr val="accent2">
-                    <a:lumMod val="50000"/>
-                  </a:schemeClr>
-                </a:solidFill>
-                <a:latin typeface="Segoe UI Semilight" panose="020B0402040204020203" pitchFamily="34" charset="0"/>
-                <a:cs typeface="Segoe UI Semilight" panose="020B0402040204020203" pitchFamily="34" charset="0"/>
-              </a:rPr>
-              <a:t>Заполнение полей регистрации</a:t>
-            </a:r>
-          </a:p>
-          <a:p>
-            <a:r>
-              <a:rPr lang="ru-RU" sz="2000" dirty="0">
-                <a:solidFill>
-                  <a:schemeClr val="accent2">
-                    <a:lumMod val="50000"/>
-                  </a:schemeClr>
-                </a:solidFill>
-                <a:latin typeface="Segoe UI Semilight" panose="020B0402040204020203" pitchFamily="34" charset="0"/>
-                <a:cs typeface="Segoe UI Semilight" panose="020B0402040204020203" pitchFamily="34" charset="0"/>
-              </a:rPr>
-              <a:t>Копирование персональной ссылки</a:t>
-            </a:r>
-          </a:p>
-          <a:p>
-            <a:r>
-              <a:rPr lang="ru-RU" sz="2000" dirty="0">
-                <a:solidFill>
-                  <a:schemeClr val="accent2">
-                    <a:lumMod val="50000"/>
-                  </a:schemeClr>
-                </a:solidFill>
-                <a:latin typeface="Segoe UI Semilight" panose="020B0402040204020203" pitchFamily="34" charset="0"/>
-                <a:cs typeface="Segoe UI Semilight" panose="020B0402040204020203" pitchFamily="34" charset="0"/>
-              </a:rPr>
-              <a:t>Отправление ссылки потенциальному покупателю</a:t>
-            </a:r>
-          </a:p>
-          <a:p>
-            <a:pPr marL="0" indent="0">
-              <a:buNone/>
-            </a:pPr>
-            <a:endParaRPr lang="ru-RU" sz="2000" dirty="0">
-              <a:solidFill>
-                <a:schemeClr val="accent2">
-                  <a:lumMod val="50000"/>
-                </a:schemeClr>
-              </a:solidFill>
-              <a:latin typeface="Segoe UI Semilight" panose="020B0402040204020203" pitchFamily="34" charset="0"/>
-              <a:cs typeface="Segoe UI Semilight" panose="020B0402040204020203" pitchFamily="34" charset="0"/>
-            </a:endParaRPr>
-          </a:p>
-          <a:p>
-            <a:pPr marL="0" indent="0">
-              <a:buNone/>
-            </a:pPr>
-            <a:endParaRPr lang="ru-RU" sz="2000" dirty="0">
-              <a:solidFill>
-                <a:schemeClr val="accent2">
-                  <a:lumMod val="50000"/>
-                </a:schemeClr>
-              </a:solidFill>
-              <a:latin typeface="Segoe UI Semilight" panose="020B0402040204020203" pitchFamily="34" charset="0"/>
-              <a:cs typeface="Segoe UI Semilight" panose="020B0402040204020203" pitchFamily="34" charset="0"/>
-            </a:endParaRPr>
-          </a:p>
-          <a:p>
-            <a:pPr marL="0" indent="0">
-              <a:buNone/>
-            </a:pPr>
-            <a:r>
-              <a:rPr lang="ru-RU" sz="2000" dirty="0">
-                <a:solidFill>
-                  <a:schemeClr val="accent2">
-                    <a:lumMod val="50000"/>
-                  </a:schemeClr>
-                </a:solidFill>
-                <a:latin typeface="Segoe UI Semilight" panose="020B0402040204020203" pitchFamily="34" charset="0"/>
-                <a:cs typeface="Segoe UI Semilight" panose="020B0402040204020203" pitchFamily="34" charset="0"/>
-              </a:rPr>
-              <a:t>Пользователь может отслеживать состояние бонусного счета в личном кабинете</a:t>
-            </a:r>
-            <a:br>
-              <a:rPr lang="ru-RU" sz="2000" dirty="0">
-                <a:solidFill>
-                  <a:schemeClr val="accent2">
-                    <a:lumMod val="50000"/>
-                  </a:schemeClr>
-                </a:solidFill>
-                <a:latin typeface="Segoe UI Semilight" panose="020B0402040204020203" pitchFamily="34" charset="0"/>
-                <a:cs typeface="Segoe UI Semilight" panose="020B0402040204020203" pitchFamily="34" charset="0"/>
-              </a:rPr>
-            </a:br>
-            <a:endParaRPr lang="ru-RU" sz="2000" dirty="0">
-              <a:solidFill>
-                <a:schemeClr val="accent2">
-                  <a:lumMod val="50000"/>
-                </a:schemeClr>
-              </a:solidFill>
-              <a:latin typeface="Segoe UI Semilight" panose="020B0402040204020203" pitchFamily="34" charset="0"/>
-              <a:cs typeface="Segoe UI Semilight" panose="020B0402040204020203" pitchFamily="34" charset="0"/>
-            </a:endParaRPr>
-          </a:p>
-        </p:txBody>
-      </p:sp>
-      <p:pic>
-        <p:nvPicPr>
-          <p:cNvPr id="5" name="Рисунок 4">
-            <a:extLst>
-              <a:ext uri="{FF2B5EF4-FFF2-40B4-BE49-F238E27FC236}">
-                <a16:creationId xmlns:a16="http://schemas.microsoft.com/office/drawing/2014/main" id="{7D39C258-34D3-4591-A4BC-2C2903835168}"/>
-              </a:ext>
-            </a:extLst>
-          </p:cNvPr>
-          <p:cNvPicPr>
-            <a:picLocks noChangeAspect="1"/>
-          </p:cNvPicPr>
-          <p:nvPr/>
-        </p:nvPicPr>
-        <p:blipFill>
-          <a:blip r:embed="rId2"/>
-          <a:stretch>
-            <a:fillRect/>
-          </a:stretch>
-        </p:blipFill>
-        <p:spPr>
-          <a:xfrm>
-            <a:off x="838200" y="365125"/>
-            <a:ext cx="2933954" cy="1249788"/>
-          </a:xfrm>
-          <a:prstGeom prst="rect">
-            <a:avLst/>
-          </a:prstGeom>
-        </p:spPr>
-      </p:pic>
-      <p:sp>
-        <p:nvSpPr>
-          <p:cNvPr id="6" name="Овал 5">
-            <a:extLst>
-              <a:ext uri="{FF2B5EF4-FFF2-40B4-BE49-F238E27FC236}">
-                <a16:creationId xmlns:a16="http://schemas.microsoft.com/office/drawing/2014/main" id="{A5DE3A20-5F3F-4CBF-AB8F-7DC9DDB9034B}"/>
+                <a16:creationId xmlns:a16="http://schemas.microsoft.com/office/drawing/2014/main" id="{24A02321-C4B5-4221-A9B8-4E170967B261}"/>
               </a:ext>
             </a:extLst>
           </p:cNvPr>
@@ -5930,8 +5741,8 @@
         </p:nvSpPr>
         <p:spPr>
           <a:xfrm>
-            <a:off x="4653585" y="5910353"/>
-            <a:ext cx="2206540" cy="2313303"/>
+            <a:off x="9957105" y="1355527"/>
+            <a:ext cx="1475020" cy="1492390"/>
           </a:xfrm>
           <a:prstGeom prst="ellipse">
             <a:avLst/>
@@ -5939,10 +5750,7 @@
           <a:noFill/>
           <a:ln w="254000">
             <a:solidFill>
-              <a:schemeClr val="accent1">
-                <a:lumMod val="60000"/>
-                <a:lumOff val="40000"/>
-              </a:schemeClr>
+              <a:schemeClr val="bg1"/>
             </a:solidFill>
           </a:ln>
         </p:spPr>
@@ -6025,10 +5833,206 @@
       </p:sp>
       <p:sp>
         <p:nvSpPr>
-          <p:cNvPr id="8" name="Овал 7">
+          <p:cNvPr id="2" name="Заголовок 1">
             <a:extLst>
               <a:ext uri="{FF2B5EF4-FFF2-40B4-BE49-F238E27FC236}">
-                <a16:creationId xmlns:a16="http://schemas.microsoft.com/office/drawing/2014/main" id="{1C65AEBC-BB67-4CA2-A55D-38A189880CAE}"/>
+                <a16:creationId xmlns:a16="http://schemas.microsoft.com/office/drawing/2014/main" id="{732792CD-7B54-47B4-BC90-F9300D0622B1}"/>
+              </a:ext>
+            </a:extLst>
+          </p:cNvPr>
+          <p:cNvSpPr>
+            <a:spLocks noGrp="1"/>
+          </p:cNvSpPr>
+          <p:nvPr>
+            <p:ph type="title"/>
+          </p:nvPr>
+        </p:nvSpPr>
+        <p:spPr>
+          <a:xfrm>
+            <a:off x="6096000" y="365125"/>
+            <a:ext cx="5656164" cy="1325563"/>
+          </a:xfrm>
+        </p:spPr>
+        <p:txBody>
+          <a:bodyPr/>
+          <a:lstStyle/>
+          <a:p>
+            <a:r>
+              <a:rPr lang="ru-RU" dirty="0">
+                <a:solidFill>
+                  <a:schemeClr val="accent2">
+                    <a:lumMod val="50000"/>
+                  </a:schemeClr>
+                </a:solidFill>
+                <a:latin typeface="Segoe UI Semibold" panose="020B0702040204020203" pitchFamily="34" charset="0"/>
+                <a:cs typeface="Segoe UI Semibold" panose="020B0702040204020203" pitchFamily="34" charset="0"/>
+              </a:rPr>
+              <a:t>Простой интерфейс</a:t>
+            </a:r>
+          </a:p>
+        </p:txBody>
+      </p:sp>
+      <p:sp>
+        <p:nvSpPr>
+          <p:cNvPr id="3" name="Объект 2">
+            <a:extLst>
+              <a:ext uri="{FF2B5EF4-FFF2-40B4-BE49-F238E27FC236}">
+                <a16:creationId xmlns:a16="http://schemas.microsoft.com/office/drawing/2014/main" id="{1A69C42A-D6AE-44D8-974A-90621CECC4C3}"/>
+              </a:ext>
+            </a:extLst>
+          </p:cNvPr>
+          <p:cNvSpPr>
+            <a:spLocks noGrp="1"/>
+          </p:cNvSpPr>
+          <p:nvPr>
+            <p:ph idx="1"/>
+          </p:nvPr>
+        </p:nvSpPr>
+        <p:spPr>
+          <a:xfrm>
+            <a:off x="6535835" y="4058700"/>
+            <a:ext cx="5656165" cy="4351338"/>
+          </a:xfrm>
+        </p:spPr>
+        <p:txBody>
+          <a:bodyPr>
+            <a:normAutofit/>
+          </a:bodyPr>
+          <a:lstStyle/>
+          <a:p>
+            <a:pPr marL="0" indent="0">
+              <a:buNone/>
+            </a:pPr>
+            <a:r>
+              <a:rPr lang="ru-RU" sz="1600" dirty="0">
+                <a:solidFill>
+                  <a:schemeClr val="accent2">
+                    <a:lumMod val="50000"/>
+                  </a:schemeClr>
+                </a:solidFill>
+                <a:latin typeface="Segoe UI Semilight" panose="020B0402040204020203" pitchFamily="34" charset="0"/>
+                <a:cs typeface="Segoe UI Semilight" panose="020B0402040204020203" pitchFamily="34" charset="0"/>
+              </a:rPr>
+              <a:t>Достаточно трех действий </a:t>
+            </a:r>
+          </a:p>
+          <a:p>
+            <a:pPr marL="457200" indent="-457200">
+              <a:buFont typeface="+mj-lt"/>
+              <a:buAutoNum type="arabicPeriod"/>
+            </a:pPr>
+            <a:r>
+              <a:rPr lang="ru-RU" sz="1600" dirty="0">
+                <a:solidFill>
+                  <a:schemeClr val="accent2">
+                    <a:lumMod val="50000"/>
+                  </a:schemeClr>
+                </a:solidFill>
+                <a:latin typeface="Segoe UI Semilight" panose="020B0402040204020203" pitchFamily="34" charset="0"/>
+                <a:cs typeface="Segoe UI Semilight" panose="020B0402040204020203" pitchFamily="34" charset="0"/>
+              </a:rPr>
+              <a:t>Заполнить поля регистрации</a:t>
+            </a:r>
+          </a:p>
+          <a:p>
+            <a:pPr marL="457200" indent="-457200">
+              <a:buFont typeface="+mj-lt"/>
+              <a:buAutoNum type="arabicPeriod"/>
+            </a:pPr>
+            <a:r>
+              <a:rPr lang="ru-RU" sz="1600" dirty="0">
+                <a:solidFill>
+                  <a:schemeClr val="accent2">
+                    <a:lumMod val="50000"/>
+                  </a:schemeClr>
+                </a:solidFill>
+                <a:latin typeface="Segoe UI Semilight" panose="020B0402040204020203" pitchFamily="34" charset="0"/>
+                <a:cs typeface="Segoe UI Semilight" panose="020B0402040204020203" pitchFamily="34" charset="0"/>
+              </a:rPr>
+              <a:t>Скопировать персональную ссылку</a:t>
+            </a:r>
+          </a:p>
+          <a:p>
+            <a:pPr marL="457200" indent="-457200">
+              <a:buFont typeface="+mj-lt"/>
+              <a:buAutoNum type="arabicPeriod"/>
+            </a:pPr>
+            <a:r>
+              <a:rPr lang="ru-RU" sz="1600" dirty="0">
+                <a:solidFill>
+                  <a:schemeClr val="accent2">
+                    <a:lumMod val="50000"/>
+                  </a:schemeClr>
+                </a:solidFill>
+                <a:latin typeface="Segoe UI Semilight" panose="020B0402040204020203" pitchFamily="34" charset="0"/>
+                <a:cs typeface="Segoe UI Semilight" panose="020B0402040204020203" pitchFamily="34" charset="0"/>
+              </a:rPr>
+              <a:t>Отправить ссылку потенциальному покупателю</a:t>
+            </a:r>
+          </a:p>
+          <a:p>
+            <a:pPr marL="0" indent="0">
+              <a:buNone/>
+            </a:pPr>
+            <a:br>
+              <a:rPr lang="ru-RU" sz="1600" dirty="0">
+                <a:solidFill>
+                  <a:schemeClr val="accent2">
+                    <a:lumMod val="50000"/>
+                  </a:schemeClr>
+                </a:solidFill>
+                <a:latin typeface="Segoe UI Semilight" panose="020B0402040204020203" pitchFamily="34" charset="0"/>
+                <a:cs typeface="Segoe UI Semilight" panose="020B0402040204020203" pitchFamily="34" charset="0"/>
+              </a:rPr>
+            </a:br>
+            <a:endParaRPr lang="ru-RU" sz="1600" dirty="0">
+              <a:solidFill>
+                <a:schemeClr val="accent2">
+                  <a:lumMod val="50000"/>
+                </a:schemeClr>
+              </a:solidFill>
+              <a:latin typeface="Segoe UI Semilight" panose="020B0402040204020203" pitchFamily="34" charset="0"/>
+              <a:cs typeface="Segoe UI Semilight" panose="020B0402040204020203" pitchFamily="34" charset="0"/>
+            </a:endParaRPr>
+          </a:p>
+        </p:txBody>
+      </p:sp>
+      <p:pic>
+        <p:nvPicPr>
+          <p:cNvPr id="5" name="Рисунок 4">
+            <a:extLst>
+              <a:ext uri="{FF2B5EF4-FFF2-40B4-BE49-F238E27FC236}">
+                <a16:creationId xmlns:a16="http://schemas.microsoft.com/office/drawing/2014/main" id="{7D39C258-34D3-4591-A4BC-2C2903835168}"/>
+              </a:ext>
+            </a:extLst>
+          </p:cNvPr>
+          <p:cNvPicPr>
+            <a:picLocks noChangeAspect="1"/>
+          </p:cNvPicPr>
+          <p:nvPr/>
+        </p:nvPicPr>
+        <p:blipFill>
+          <a:blip r:embed="rId2"/>
+          <a:stretch>
+            <a:fillRect/>
+          </a:stretch>
+        </p:blipFill>
+        <p:spPr>
+          <a:xfrm>
+            <a:off x="838200" y="365125"/>
+            <a:ext cx="2933954" cy="1249788"/>
+          </a:xfrm>
+          <a:prstGeom prst="rect">
+            <a:avLst/>
+          </a:prstGeom>
+        </p:spPr>
+      </p:pic>
+      <p:sp>
+        <p:nvSpPr>
+          <p:cNvPr id="6" name="Овал 5">
+            <a:extLst>
+              <a:ext uri="{FF2B5EF4-FFF2-40B4-BE49-F238E27FC236}">
+                <a16:creationId xmlns:a16="http://schemas.microsoft.com/office/drawing/2014/main" id="{A5DE3A20-5F3F-4CBF-AB8F-7DC9DDB9034B}"/>
               </a:ext>
             </a:extLst>
           </p:cNvPr>
@@ -6037,16 +6041,19 @@
         </p:nvSpPr>
         <p:spPr>
           <a:xfrm>
-            <a:off x="5019345" y="6450368"/>
-            <a:ext cx="1475020" cy="1492390"/>
+            <a:off x="4653585" y="5910353"/>
+            <a:ext cx="2206540" cy="2313303"/>
           </a:xfrm>
           <a:prstGeom prst="ellipse">
             <a:avLst/>
           </a:prstGeom>
           <a:noFill/>
-          <a:ln w="508000">
+          <a:ln w="254000">
             <a:solidFill>
-              <a:schemeClr val="bg1"/>
+              <a:schemeClr val="accent1">
+                <a:lumMod val="60000"/>
+                <a:lumOff val="40000"/>
+              </a:schemeClr>
             </a:solidFill>
           </a:ln>
         </p:spPr>
@@ -6077,10 +6084,10 @@
       </p:sp>
       <p:sp>
         <p:nvSpPr>
-          <p:cNvPr id="11" name="Овал 10">
+          <p:cNvPr id="8" name="Овал 7">
             <a:extLst>
               <a:ext uri="{FF2B5EF4-FFF2-40B4-BE49-F238E27FC236}">
-                <a16:creationId xmlns:a16="http://schemas.microsoft.com/office/drawing/2014/main" id="{24A02321-C4B5-4221-A9B8-4E170967B261}"/>
+                <a16:creationId xmlns:a16="http://schemas.microsoft.com/office/drawing/2014/main" id="{1C65AEBC-BB67-4CA2-A55D-38A189880CAE}"/>
               </a:ext>
             </a:extLst>
           </p:cNvPr>
@@ -6089,14 +6096,14 @@
         </p:nvSpPr>
         <p:spPr>
           <a:xfrm>
-            <a:off x="9957105" y="1355527"/>
+            <a:off x="5019345" y="6450368"/>
             <a:ext cx="1475020" cy="1492390"/>
           </a:xfrm>
           <a:prstGeom prst="ellipse">
             <a:avLst/>
           </a:prstGeom>
           <a:noFill/>
-          <a:ln w="254000">
+          <a:ln w="508000">
             <a:solidFill>
               <a:schemeClr val="bg1"/>
             </a:solidFill>
@@ -6236,6 +6243,94 @@
           <a:p>
             <a:pPr algn="ctr"/>
             <a:endParaRPr lang="ru-RU"/>
+          </a:p>
+        </p:txBody>
+      </p:sp>
+      <p:sp>
+        <p:nvSpPr>
+          <p:cNvPr id="14" name="TextBox 13">
+            <a:extLst>
+              <a:ext uri="{FF2B5EF4-FFF2-40B4-BE49-F238E27FC236}">
+                <a16:creationId xmlns:a16="http://schemas.microsoft.com/office/drawing/2014/main" id="{4BD42008-9755-4359-AF2A-46D615B2B42B}"/>
+              </a:ext>
+            </a:extLst>
+          </p:cNvPr>
+          <p:cNvSpPr txBox="1"/>
+          <p:nvPr/>
+        </p:nvSpPr>
+        <p:spPr>
+          <a:xfrm>
+            <a:off x="2128986" y="2690028"/>
+            <a:ext cx="6184490" cy="369332"/>
+          </a:xfrm>
+          <a:prstGeom prst="rect">
+            <a:avLst/>
+          </a:prstGeom>
+          <a:noFill/>
+        </p:spPr>
+        <p:txBody>
+          <a:bodyPr wrap="square">
+            <a:spAutoFit/>
+          </a:bodyPr>
+          <a:lstStyle/>
+          <a:p>
+            <a:r>
+              <a:rPr lang="ru-RU" dirty="0">
+                <a:solidFill>
+                  <a:schemeClr val="accent2">
+                    <a:lumMod val="50000"/>
+                  </a:schemeClr>
+                </a:solidFill>
+                <a:latin typeface="Segoe UI Semilight" panose="020B0402040204020203" pitchFamily="34" charset="0"/>
+                <a:cs typeface="Segoe UI Semilight" panose="020B0402040204020203" pitchFamily="34" charset="0"/>
+              </a:rPr>
+              <a:t>*личный кабинет*</a:t>
+            </a:r>
+            <a:endParaRPr lang="ru-RU" dirty="0"/>
+          </a:p>
+        </p:txBody>
+      </p:sp>
+      <p:sp>
+        <p:nvSpPr>
+          <p:cNvPr id="16" name="TextBox 15">
+            <a:extLst>
+              <a:ext uri="{FF2B5EF4-FFF2-40B4-BE49-F238E27FC236}">
+                <a16:creationId xmlns:a16="http://schemas.microsoft.com/office/drawing/2014/main" id="{D1EEB07F-FF0F-463E-9088-7D2D29176790}"/>
+              </a:ext>
+            </a:extLst>
+          </p:cNvPr>
+          <p:cNvSpPr txBox="1"/>
+          <p:nvPr/>
+        </p:nvSpPr>
+        <p:spPr>
+          <a:xfrm>
+            <a:off x="6271672" y="2331375"/>
+            <a:ext cx="6184490" cy="369332"/>
+          </a:xfrm>
+          <a:prstGeom prst="rect">
+            <a:avLst/>
+          </a:prstGeom>
+          <a:noFill/>
+        </p:spPr>
+        <p:txBody>
+          <a:bodyPr wrap="square">
+            <a:spAutoFit/>
+          </a:bodyPr>
+          <a:lstStyle/>
+          <a:p>
+            <a:r>
+              <a:rPr lang="ru-RU" dirty="0">
+                <a:solidFill>
+                  <a:schemeClr val="accent2">
+                    <a:lumMod val="50000"/>
+                  </a:schemeClr>
+                </a:solidFill>
+                <a:latin typeface="Segoe UI Semilight" panose="020B0402040204020203" pitchFamily="34" charset="0"/>
+                <a:cs typeface="Segoe UI Semilight" panose="020B0402040204020203" pitchFamily="34" charset="0"/>
+              </a:rPr>
+              <a:t>*вход*</a:t>
+            </a:r>
+            <a:endParaRPr lang="ru-RU" dirty="0"/>
           </a:p>
         </p:txBody>
       </p:sp>
@@ -6340,7 +6435,7 @@
         <p:spPr>
           <a:xfrm>
             <a:off x="838200" y="1825625"/>
-            <a:ext cx="10815320" cy="4351338"/>
+            <a:ext cx="4314825" cy="4351338"/>
           </a:xfrm>
         </p:spPr>
         <p:txBody>
@@ -6353,7 +6448,7 @@
               <a:buNone/>
             </a:pPr>
             <a:r>
-              <a:rPr lang="ru-RU" sz="2000" dirty="0">
+              <a:rPr lang="ru-RU" sz="1600" dirty="0">
                 <a:solidFill>
                   <a:schemeClr val="accent2">
                     <a:lumMod val="50000"/>
@@ -6369,7 +6464,7 @@
             <a:pPr marL="0" indent="0">
               <a:buNone/>
             </a:pPr>
-            <a:endParaRPr lang="ru-RU" sz="2000" dirty="0">
+            <a:endParaRPr lang="ru-RU" sz="1600" dirty="0">
               <a:solidFill>
                 <a:schemeClr val="accent2">
                   <a:lumMod val="50000"/>
@@ -6384,7 +6479,7 @@
               <a:buNone/>
             </a:pPr>
             <a:r>
-              <a:rPr lang="ru-RU" sz="2000" dirty="0">
+              <a:rPr lang="ru-RU" sz="1600" dirty="0">
                 <a:solidFill>
                   <a:schemeClr val="accent2">
                     <a:lumMod val="50000"/>
@@ -6728,6 +6823,50 @@
           <a:p>
             <a:pPr algn="ctr"/>
             <a:endParaRPr lang="ru-RU"/>
+          </a:p>
+        </p:txBody>
+      </p:sp>
+      <p:sp>
+        <p:nvSpPr>
+          <p:cNvPr id="11" name="TextBox 10">
+            <a:extLst>
+              <a:ext uri="{FF2B5EF4-FFF2-40B4-BE49-F238E27FC236}">
+                <a16:creationId xmlns:a16="http://schemas.microsoft.com/office/drawing/2014/main" id="{DDEE5083-DF8D-4F74-86FA-9DE7E674FB15}"/>
+              </a:ext>
+            </a:extLst>
+          </p:cNvPr>
+          <p:cNvSpPr txBox="1"/>
+          <p:nvPr/>
+        </p:nvSpPr>
+        <p:spPr>
+          <a:xfrm>
+            <a:off x="7285703" y="2498011"/>
+            <a:ext cx="6096000" cy="369332"/>
+          </a:xfrm>
+          <a:prstGeom prst="rect">
+            <a:avLst/>
+          </a:prstGeom>
+          <a:noFill/>
+        </p:spPr>
+        <p:txBody>
+          <a:bodyPr wrap="square">
+            <a:spAutoFit/>
+          </a:bodyPr>
+          <a:lstStyle/>
+          <a:p>
+            <a:r>
+              <a:rPr lang="ru-RU" dirty="0">
+                <a:solidFill>
+                  <a:schemeClr val="accent2">
+                    <a:lumMod val="50000"/>
+                  </a:schemeClr>
+                </a:solidFill>
+                <a:latin typeface="Segoe UI Semilight" panose="020B0402040204020203" pitchFamily="34" charset="0"/>
+                <a:cs typeface="Segoe UI Semilight" panose="020B0402040204020203" pitchFamily="34" charset="0"/>
+              </a:rPr>
+              <a:t>*каталог*</a:t>
+            </a:r>
+            <a:endParaRPr lang="ru-RU" dirty="0"/>
           </a:p>
         </p:txBody>
       </p:sp>
@@ -8862,7 +9001,7 @@
                 <a:latin typeface="Segoe UI Semibold" panose="020B0702040204020203" pitchFamily="34" charset="0"/>
                 <a:cs typeface="Segoe UI Semibold" panose="020B0702040204020203" pitchFamily="34" charset="0"/>
               </a:rPr>
-              <a:t>Пути расширения</a:t>
+              <a:t>Перспективы развития</a:t>
             </a:r>
           </a:p>
         </p:txBody>
@@ -8955,7 +9094,7 @@
                 <a:latin typeface="Segoe UI Semilight" panose="020B0402040204020203" pitchFamily="34" charset="0"/>
                 <a:cs typeface="Segoe UI Semilight" panose="020B0402040204020203" pitchFamily="34" charset="0"/>
               </a:rPr>
-              <a:t>Пригласительные реферальные ссылок (бонус за регистрацию)</a:t>
+              <a:t>Пригласительные реферальные ссылки (бонус за регистрацию)</a:t>
             </a:r>
           </a:p>
           <a:p>
@@ -9865,6 +10004,66 @@
           <a:prstGeom prst="rect">
             <a:avLst/>
           </a:prstGeom>
+        </p:spPr>
+      </p:pic>
+      <p:pic>
+        <p:nvPicPr>
+          <p:cNvPr id="12" name="Рисунок 11">
+            <a:extLst>
+              <a:ext uri="{FF2B5EF4-FFF2-40B4-BE49-F238E27FC236}">
+                <a16:creationId xmlns:a16="http://schemas.microsoft.com/office/drawing/2014/main" id="{8A379F59-525F-47A3-A0FF-44C2D039D59A}"/>
+              </a:ext>
+            </a:extLst>
+          </p:cNvPr>
+          <p:cNvPicPr>
+            <a:picLocks noChangeAspect="1"/>
+          </p:cNvPicPr>
+          <p:nvPr/>
+        </p:nvPicPr>
+        <p:blipFill>
+          <a:blip r:embed="rId3"/>
+          <a:stretch>
+            <a:fillRect/>
+          </a:stretch>
+        </p:blipFill>
+        <p:spPr>
+          <a:xfrm>
+            <a:off x="2453968" y="3011537"/>
+            <a:ext cx="7293077" cy="3550070"/>
+          </a:xfrm>
+          <a:prstGeom prst="rect">
+            <a:avLst/>
+          </a:prstGeom>
+          <a:solidFill>
+            <a:srgbClr val="FFFFFF">
+              <a:shade val="85000"/>
+            </a:srgbClr>
+          </a:solidFill>
+          <a:ln w="57150" cap="sq">
+            <a:solidFill>
+              <a:srgbClr val="FFFFFF"/>
+            </a:solidFill>
+            <a:miter lim="800000"/>
+          </a:ln>
+          <a:effectLst>
+            <a:outerShdw blurRad="55000" dist="18000" dir="5400000" algn="tl" rotWithShape="0">
+              <a:srgbClr val="000000">
+                <a:alpha val="40000"/>
+              </a:srgbClr>
+            </a:outerShdw>
+          </a:effectLst>
+          <a:scene3d>
+            <a:camera prst="orthographicFront"/>
+            <a:lightRig rig="twoPt" dir="t">
+              <a:rot lat="0" lon="0" rev="7200000"/>
+            </a:lightRig>
+          </a:scene3d>
+          <a:sp3d>
+            <a:bevelT w="25400" h="19050"/>
+            <a:contourClr>
+              <a:srgbClr val="FFFFFF"/>
+            </a:contourClr>
+          </a:sp3d>
         </p:spPr>
       </p:pic>
     </p:spTree>
